--- a/New folder/documentation/SLIDES/499 final pres/draft.pptx
+++ b/New folder/documentation/SLIDES/499 final pres/draft.pptx
@@ -204,7 +204,7 @@
           <a:p>
             <a:fld id="{98B162F2-6127-4B3C-B65E-2CBDE8AA6FEF}" type="datetimeFigureOut">
               <a:rPr lang="en-US" smtClean="0"/>
-              <a:t>4/4/2016</a:t>
+              <a:t>4/5/2016</a:t>
             </a:fld>
             <a:endParaRPr lang="en-US"/>
           </a:p>
@@ -771,7 +771,7 @@
           <a:p>
             <a:fld id="{0704E16D-E0A6-4BB3-8333-BEE190D0353F}" type="datetime1">
               <a:rPr lang="en-US" smtClean="0"/>
-              <a:t>4/4/2016</a:t>
+              <a:t>4/5/2016</a:t>
             </a:fld>
             <a:endParaRPr lang="en-US"/>
           </a:p>
@@ -941,7 +941,7 @@
           <a:p>
             <a:fld id="{1098AF16-C6D1-4E30-AAE2-3CD9762C0CA5}" type="datetime1">
               <a:rPr lang="en-US" smtClean="0"/>
-              <a:t>4/4/2016</a:t>
+              <a:t>4/5/2016</a:t>
             </a:fld>
             <a:endParaRPr lang="en-US"/>
           </a:p>
@@ -1121,7 +1121,7 @@
           <a:p>
             <a:fld id="{FD93C371-FC10-4C75-823F-94C3A890FA28}" type="datetime1">
               <a:rPr lang="en-US" smtClean="0"/>
-              <a:t>4/4/2016</a:t>
+              <a:t>4/5/2016</a:t>
             </a:fld>
             <a:endParaRPr lang="en-US"/>
           </a:p>
@@ -1291,7 +1291,7 @@
           <a:p>
             <a:fld id="{ABF31F3C-CA9E-427B-B349-0F75E75E9268}" type="datetime1">
               <a:rPr lang="en-US" smtClean="0"/>
-              <a:t>4/4/2016</a:t>
+              <a:t>4/5/2016</a:t>
             </a:fld>
             <a:endParaRPr lang="en-US"/>
           </a:p>
@@ -1537,7 +1537,7 @@
           <a:p>
             <a:fld id="{3F3A854D-1F41-4795-AB42-3AED4F7CAEDE}" type="datetime1">
               <a:rPr lang="en-US" smtClean="0"/>
-              <a:t>4/4/2016</a:t>
+              <a:t>4/5/2016</a:t>
             </a:fld>
             <a:endParaRPr lang="en-US"/>
           </a:p>
@@ -1769,7 +1769,7 @@
           <a:p>
             <a:fld id="{EA60F357-5703-4F90-8E9E-66D8C1A13CC2}" type="datetime1">
               <a:rPr lang="en-US" smtClean="0"/>
-              <a:t>4/4/2016</a:t>
+              <a:t>4/5/2016</a:t>
             </a:fld>
             <a:endParaRPr lang="en-US"/>
           </a:p>
@@ -2136,7 +2136,7 @@
           <a:p>
             <a:fld id="{FAB2C06C-5AD1-47E9-9ACF-4E4FBD0706FB}" type="datetime1">
               <a:rPr lang="en-US" smtClean="0"/>
-              <a:t>4/4/2016</a:t>
+              <a:t>4/5/2016</a:t>
             </a:fld>
             <a:endParaRPr lang="en-US"/>
           </a:p>
@@ -2254,7 +2254,7 @@
           <a:p>
             <a:fld id="{9DC22FDC-5E3C-4805-BE15-106A7C6BF40F}" type="datetime1">
               <a:rPr lang="en-US" smtClean="0"/>
-              <a:t>4/4/2016</a:t>
+              <a:t>4/5/2016</a:t>
             </a:fld>
             <a:endParaRPr lang="en-US"/>
           </a:p>
@@ -2349,7 +2349,7 @@
           <a:p>
             <a:fld id="{034E9DA9-E759-438D-8EB0-D34C503F8B7E}" type="datetime1">
               <a:rPr lang="en-US" smtClean="0"/>
-              <a:t>4/4/2016</a:t>
+              <a:t>4/5/2016</a:t>
             </a:fld>
             <a:endParaRPr lang="en-US"/>
           </a:p>
@@ -2626,7 +2626,7 @@
           <a:p>
             <a:fld id="{FA62C32B-5E8F-47B4-BBEA-67DB46374D21}" type="datetime1">
               <a:rPr lang="en-US" smtClean="0"/>
-              <a:t>4/4/2016</a:t>
+              <a:t>4/5/2016</a:t>
             </a:fld>
             <a:endParaRPr lang="en-US"/>
           </a:p>
@@ -2879,7 +2879,7 @@
           <a:p>
             <a:fld id="{9CF76181-2472-4788-AABC-0A882E07422F}" type="datetime1">
               <a:rPr lang="en-US" smtClean="0"/>
-              <a:t>4/4/2016</a:t>
+              <a:t>4/5/2016</a:t>
             </a:fld>
             <a:endParaRPr lang="en-US"/>
           </a:p>
@@ -3092,7 +3092,7 @@
           <a:p>
             <a:fld id="{F809E734-22DF-4616-8D3E-850712DDEF9F}" type="datetime1">
               <a:rPr lang="en-US" smtClean="0"/>
-              <a:t>4/4/2016</a:t>
+              <a:t>4/5/2016</a:t>
             </a:fld>
             <a:endParaRPr lang="en-US"/>
           </a:p>
@@ -3608,7 +3608,7 @@
                   <a:schemeClr val="tx1"/>
                 </a:solidFill>
               </a:rPr>
-              <a:t>4/4/2016</a:t>
+              <a:t>4/5/2016</a:t>
             </a:fld>
             <a:endParaRPr lang="en-US" dirty="0">
               <a:solidFill>
@@ -3720,6 +3720,13 @@
   <p:clrMapOvr>
     <a:masterClrMapping/>
   </p:clrMapOvr>
+  <p:timing>
+    <p:tnLst>
+      <p:par>
+        <p:cTn id="1" dur="indefinite" restart="never" nodeType="tmRoot"/>
+      </p:par>
+    </p:tnLst>
+  </p:timing>
 </p:sld>
 </file>
 
@@ -3761,7 +3768,7 @@
                   <a:schemeClr val="tx1"/>
                 </a:solidFill>
               </a:rPr>
-              <a:t>4/4/2016</a:t>
+              <a:t>4/5/2016</a:t>
             </a:fld>
             <a:endParaRPr lang="en-US" dirty="0">
               <a:solidFill>
@@ -3921,7 +3928,7 @@
                   <a:schemeClr val="tx1"/>
                 </a:solidFill>
               </a:rPr>
-              <a:t>4/4/2016</a:t>
+              <a:t>4/5/2016</a:t>
             </a:fld>
             <a:endParaRPr lang="en-US" dirty="0">
               <a:solidFill>
@@ -4217,7 +4224,7 @@
           <a:p>
             <a:fld id="{C86FE5E2-8776-41F4-9448-EA3F86ED875E}" type="datetime1">
               <a:rPr lang="en-US" smtClean="0"/>
-              <a:t>4/4/2016</a:t>
+              <a:t>4/5/2016</a:t>
             </a:fld>
             <a:endParaRPr lang="en-US"/>
           </a:p>
@@ -4409,7 +4416,7 @@
           <a:p>
             <a:fld id="{197A062F-7648-4C1D-86A7-CE88B54390A1}" type="datetime1">
               <a:rPr lang="en-US" smtClean="0"/>
-              <a:t>4/4/2016</a:t>
+              <a:t>4/5/2016</a:t>
             </a:fld>
             <a:endParaRPr lang="en-US"/>
           </a:p>
@@ -4587,7 +4594,7 @@
           <a:p>
             <a:fld id="{F8988A56-13B9-4E76-A9FC-CF383E3D9BDB}" type="datetime1">
               <a:rPr lang="en-US" smtClean="0"/>
-              <a:t>4/4/2016</a:t>
+              <a:t>4/5/2016</a:t>
             </a:fld>
             <a:endParaRPr lang="en-US"/>
           </a:p>
@@ -4827,7 +4834,7 @@
           <a:p>
             <a:fld id="{0C733473-E94C-4E2E-B7F4-418C78B7E41F}" type="datetime1">
               <a:rPr lang="en-US" smtClean="0"/>
-              <a:t>4/4/2016</a:t>
+              <a:t>4/5/2016</a:t>
             </a:fld>
             <a:endParaRPr lang="en-US"/>
           </a:p>
@@ -5114,7 +5121,7 @@
           <a:p>
             <a:fld id="{1592B7CE-3DE9-4CFF-B456-12E224DB0519}" type="datetime1">
               <a:rPr lang="en-US" smtClean="0"/>
-              <a:t>4/4/2016</a:t>
+              <a:t>4/5/2016</a:t>
             </a:fld>
             <a:endParaRPr lang="en-US"/>
           </a:p>
@@ -5486,7 +5493,7 @@
           <a:p>
             <a:fld id="{CAEED828-E1DD-4E85-AEF9-7874076E21A3}" type="datetime1">
               <a:rPr lang="en-US" smtClean="0"/>
-              <a:t>4/4/2016</a:t>
+              <a:t>4/5/2016</a:t>
             </a:fld>
             <a:endParaRPr lang="en-US"/>
           </a:p>
@@ -5683,7 +5690,7 @@
           <a:p>
             <a:fld id="{9AE28244-343C-4C22-8168-28236C0E4C6B}" type="datetime1">
               <a:rPr lang="en-US" smtClean="0"/>
-              <a:t>4/4/2016</a:t>
+              <a:t>4/5/2016</a:t>
             </a:fld>
             <a:endParaRPr lang="en-US"/>
           </a:p>
@@ -5777,7 +5784,7 @@
                   <a:schemeClr val="tx1"/>
                 </a:solidFill>
               </a:rPr>
-              <a:t>4/4/2016</a:t>
+              <a:t>4/5/2016</a:t>
             </a:fld>
             <a:endParaRPr lang="en-US" dirty="0">
               <a:solidFill>
@@ -5886,6 +5893,36 @@
           <a:chExt cx="0" cy="0"/>
         </a:xfrm>
       </p:grpSpPr>
+      <p:pic>
+        <p:nvPicPr>
+          <p:cNvPr id="3" name="Picture 2"/>
+          <p:cNvPicPr>
+            <a:picLocks noChangeAspect="1"/>
+          </p:cNvPicPr>
+          <p:nvPr/>
+        </p:nvPicPr>
+        <p:blipFill>
+          <a:blip r:embed="rId2">
+            <a:extLst>
+              <a:ext uri="{28A0092B-C50C-407E-A947-70E740481C1C}">
+                <a14:useLocalDpi xmlns:a14="http://schemas.microsoft.com/office/drawing/2010/main" val="0"/>
+              </a:ext>
+            </a:extLst>
+          </a:blip>
+          <a:stretch>
+            <a:fillRect/>
+          </a:stretch>
+        </p:blipFill>
+        <p:spPr>
+          <a:xfrm>
+            <a:off x="1980625" y="9047"/>
+            <a:ext cx="8230749" cy="6839905"/>
+          </a:xfrm>
+          <a:prstGeom prst="rect">
+            <a:avLst/>
+          </a:prstGeom>
+        </p:spPr>
+      </p:pic>
       <p:sp>
         <p:nvSpPr>
           <p:cNvPr id="4" name="Date Placeholder 3"/>
@@ -5907,7 +5944,7 @@
                   <a:schemeClr val="tx1"/>
                 </a:solidFill>
               </a:rPr>
-              <a:t>4/4/2016</a:t>
+              <a:t>4/5/2016</a:t>
             </a:fld>
             <a:endParaRPr lang="en-US" dirty="0">
               <a:solidFill>
@@ -5938,7 +5975,7 @@
                   <a:schemeClr val="tx1"/>
                 </a:solidFill>
               </a:rPr>
-              <a:t>Mike Events</a:t>
+              <a:t>Mike</a:t>
             </a:r>
             <a:endParaRPr lang="en-US" dirty="0">
               <a:solidFill>
@@ -5989,6 +6026,13 @@
   <p:clrMapOvr>
     <a:masterClrMapping/>
   </p:clrMapOvr>
+  <p:timing>
+    <p:tnLst>
+      <p:par>
+        <p:cTn id="1" dur="indefinite" restart="never" nodeType="tmRoot"/>
+      </p:par>
+    </p:tnLst>
+  </p:timing>
 </p:sld>
 </file>
 
@@ -6247,7 +6291,7 @@
   <a:extraClrSchemeLst/>
   <a:extLst>
     <a:ext uri="{05A4C25C-085E-4340-85A3-A5531E510DB2}">
-      <thm15:themeFamily xmlns:thm15="http://schemas.microsoft.com/office/thememl/2012/main" name="Office Theme" id="{62F939B6-93AF-4DB8-9C6B-D6C7DFDC589F}" vid="{4A3C46E8-61CC-4603-A589-7422A47A8E4A}"/>
+      <thm15:themeFamily xmlns:thm15="http://schemas.microsoft.com/office/thememl/2012/main" xmlns="" name="Office Theme" id="{62F939B6-93AF-4DB8-9C6B-D6C7DFDC589F}" vid="{4A3C46E8-61CC-4603-A589-7422A47A8E4A}"/>
     </a:ext>
   </a:extLst>
 </a:theme>
@@ -6508,7 +6552,7 @@
   <a:extraClrSchemeLst/>
   <a:extLst>
     <a:ext uri="{05A4C25C-085E-4340-85A3-A5531E510DB2}">
-      <thm15:themeFamily xmlns:thm15="http://schemas.microsoft.com/office/thememl/2012/main" name="Office Theme" id="{62F939B6-93AF-4DB8-9C6B-D6C7DFDC589F}" vid="{4A3C46E8-61CC-4603-A589-7422A47A8E4A}"/>
+      <thm15:themeFamily xmlns:thm15="http://schemas.microsoft.com/office/thememl/2012/main" xmlns="" name="Office Theme" id="{62F939B6-93AF-4DB8-9C6B-D6C7DFDC589F}" vid="{4A3C46E8-61CC-4603-A589-7422A47A8E4A}"/>
     </a:ext>
   </a:extLst>
 </a:theme>
